--- a/report/templates/DSP_FinalProject_Team20.pptx
+++ b/report/templates/DSP_FinalProject_Team20.pptx
@@ -547,11 +547,11 @@
           <c:showBubbleSize val="0"/>
         </c:dLbls>
         <c:gapWidth val="40"/>
-        <c:axId val="47578112"/>
-        <c:axId val="48528704"/>
+        <c:axId val="224051712"/>
+        <c:axId val="147313152"/>
       </c:barChart>
       <c:catAx>
-        <c:axId val="47578112"/>
+        <c:axId val="224051712"/>
         <c:scaling>
           <c:orientation val="minMax"/>
         </c:scaling>
@@ -590,7 +590,7 @@
             <a:endParaRPr lang="zh-TW"/>
           </a:p>
         </c:txPr>
-        <c:crossAx val="48528704"/>
+        <c:crossAx val="147313152"/>
         <c:crosses val="autoZero"/>
         <c:auto val="1"/>
         <c:lblAlgn val="ctr"/>
@@ -598,7 +598,7 @@
         <c:noMultiLvlLbl val="1"/>
       </c:catAx>
       <c:valAx>
-        <c:axId val="48528704"/>
+        <c:axId val="147313152"/>
         <c:scaling>
           <c:orientation val="minMax"/>
         </c:scaling>
@@ -644,7 +644,7 @@
             <a:endParaRPr lang="zh-TW"/>
           </a:p>
         </c:txPr>
-        <c:crossAx val="47578112"/>
+        <c:crossAx val="224051712"/>
         <c:crosses val="autoZero"/>
         <c:crossBetween val="midCat"/>
         <c:majorUnit val="7"/>
